--- a/trunk/Training/GAPQ2017/PPT/13 Transformer Model.pptx
+++ b/trunk/Training/GAPQ2017/PPT/13 Transformer Model.pptx
@@ -246,7 +246,7 @@
           <a:p>
             <a:fld id="{21D603EA-85D6-422C-AB10-17A2A7923832}" type="datetimeFigureOut">
               <a:rPr lang="en-US" smtClean="0"/>
-              <a:t>6/14/2017</a:t>
+              <a:t>6/23/2017</a:t>
             </a:fld>
             <a:endParaRPr lang="en-US" dirty="0"/>
           </a:p>
@@ -4172,7 +4172,11 @@
             </a:r>
             <a:r>
               <a:rPr lang="en-US" dirty="0" err="1"/>
-              <a:t>Yprim</a:t>
+              <a:t>Y</a:t>
+            </a:r>
+            <a:r>
+              <a:rPr lang="en-US" baseline="-25000" dirty="0" err="1"/>
+              <a:t>prim</a:t>
             </a:r>
             <a:r>
               <a:rPr lang="en-US" dirty="0"/>
@@ -4183,7 +4187,7 @@
             <a:pPr lvl="1"/>
             <a:r>
               <a:rPr lang="en-US" dirty="0"/>
-              <a:t>As opposed to computing the Inductance matrix from FEA field calculations</a:t>
+              <a:t>As opposed to computing the inductance matrix from FEA field calculations</a:t>
             </a:r>
           </a:p>
           <a:p>
@@ -4326,14 +4330,18 @@
             <a:pPr lvl="2"/>
             <a:r>
               <a:rPr lang="en-US" sz="1800" dirty="0"/>
-              <a:t>For 3-winding: 3 measurements</a:t>
+              <a:t>For 3-winding: 3 measurements; 4-winding: 6 measurements</a:t>
             </a:r>
           </a:p>
           <a:p>
             <a:pPr lvl="2"/>
             <a:r>
               <a:rPr lang="en-US" sz="1800" dirty="0"/>
-              <a:t>Usually found on nameplate or Test Report in %</a:t>
+              <a:t>Usually found on nameplate or Test Report in </a:t>
+            </a:r>
+            <a:r>
+              <a:rPr lang="en-US" sz="1800" b="1" dirty="0"/>
+              <a:t>%</a:t>
             </a:r>
           </a:p>
           <a:p>
@@ -4377,7 +4385,10 @@
               <a:rPr lang="en-US" sz="1800" dirty="0" err="1"/>
               <a:t>pu</a:t>
             </a:r>
-            <a:endParaRPr lang="en-US" sz="1800" dirty="0"/>
+            <a:r>
+              <a:rPr lang="en-US" sz="1800" dirty="0"/>
+              <a:t> on some base</a:t>
+            </a:r>
           </a:p>
           <a:p>
             <a:pPr lvl="2"/>
@@ -4405,8 +4416,8 @@
         </p:nvSpPr>
         <p:spPr>
           <a:xfrm>
-            <a:off x="304800" y="5410200"/>
-            <a:ext cx="5029200" cy="867930"/>
+            <a:off x="274320" y="5076009"/>
+            <a:ext cx="6862618" cy="803297"/>
           </a:xfrm>
           <a:prstGeom prst="rect">
             <a:avLst/>
@@ -4430,34 +4441,34 @@
               </a:spcAft>
             </a:pPr>
             <a:r>
-              <a:rPr lang="en-US" sz="1400" u="sng" dirty="0">
+              <a:rPr lang="en-US" sz="2000" u="sng" dirty="0">
                 <a:latin typeface="Times New Roman" panose="02020603050405020304" pitchFamily="18" charset="0"/>
                 <a:ea typeface="Times New Roman" panose="02020603050405020304" pitchFamily="18" charset="0"/>
               </a:rPr>
               <a:t>Off-diagonal Elements of </a:t>
             </a:r>
             <a:r>
-              <a:rPr lang="en-US" sz="1400" b="1" u="sng" dirty="0">
+              <a:rPr lang="en-US" sz="2000" b="1" u="sng" dirty="0">
                 <a:latin typeface="Times New Roman" panose="02020603050405020304" pitchFamily="18" charset="0"/>
                 <a:ea typeface="Times New Roman" panose="02020603050405020304" pitchFamily="18" charset="0"/>
               </a:rPr>
               <a:t>Z</a:t>
             </a:r>
             <a:r>
-              <a:rPr lang="en-US" sz="1400" u="sng" baseline="-25000" dirty="0">
+              <a:rPr lang="en-US" sz="2000" u="sng" baseline="-25000" dirty="0">
                 <a:latin typeface="Times New Roman" panose="02020603050405020304" pitchFamily="18" charset="0"/>
                 <a:ea typeface="Times New Roman" panose="02020603050405020304" pitchFamily="18" charset="0"/>
               </a:rPr>
               <a:t>B</a:t>
             </a:r>
             <a:r>
-              <a:rPr lang="en-US" sz="1400" u="sng" dirty="0">
+              <a:rPr lang="en-US" sz="2000" u="sng" dirty="0">
                 <a:latin typeface="Times New Roman" panose="02020603050405020304" pitchFamily="18" charset="0"/>
                 <a:ea typeface="Times New Roman" panose="02020603050405020304" pitchFamily="18" charset="0"/>
               </a:rPr>
               <a:t>:</a:t>
             </a:r>
-            <a:endParaRPr lang="en-US" sz="1400" dirty="0">
+            <a:endParaRPr lang="en-US" sz="2000" dirty="0">
               <a:latin typeface="Times New Roman" panose="02020603050405020304" pitchFamily="18" charset="0"/>
               <a:ea typeface="Times New Roman" panose="02020603050405020304" pitchFamily="18" charset="0"/>
             </a:endParaRPr>
@@ -4475,105 +4486,105 @@
               </a:spcAft>
             </a:pPr>
             <a:r>
-              <a:rPr lang="en-US" sz="1400" dirty="0">
+              <a:rPr lang="en-US" dirty="0">
                 <a:latin typeface="Times New Roman" panose="02020603050405020304" pitchFamily="18" charset="0"/>
                 <a:ea typeface="Times New Roman" panose="02020603050405020304" pitchFamily="18" charset="0"/>
               </a:rPr>
               <a:t>      </a:t>
             </a:r>
             <a:r>
-              <a:rPr lang="en-US" sz="2000" dirty="0" err="1">
+              <a:rPr lang="en-US" sz="2400" dirty="0" err="1">
                 <a:latin typeface="Times New Roman" panose="02020603050405020304" pitchFamily="18" charset="0"/>
                 <a:ea typeface="Times New Roman" panose="02020603050405020304" pitchFamily="18" charset="0"/>
               </a:rPr>
               <a:t>z</a:t>
             </a:r>
             <a:r>
-              <a:rPr lang="en-US" sz="2000" baseline="-25000" dirty="0" err="1">
+              <a:rPr lang="en-US" sz="2400" baseline="-25000" dirty="0" err="1">
                 <a:latin typeface="Times New Roman" panose="02020603050405020304" pitchFamily="18" charset="0"/>
                 <a:ea typeface="Times New Roman" panose="02020603050405020304" pitchFamily="18" charset="0"/>
               </a:rPr>
               <a:t>Bij</a:t>
             </a:r>
             <a:r>
-              <a:rPr lang="en-US" sz="2000" dirty="0">
+              <a:rPr lang="en-US" sz="2400" dirty="0">
                 <a:latin typeface="Times New Roman" panose="02020603050405020304" pitchFamily="18" charset="0"/>
                 <a:ea typeface="Times New Roman" panose="02020603050405020304" pitchFamily="18" charset="0"/>
               </a:rPr>
               <a:t> = 0.5[</a:t>
             </a:r>
             <a:r>
-              <a:rPr lang="en-US" sz="2000" dirty="0" err="1">
+              <a:rPr lang="en-US" sz="2400" dirty="0" err="1">
                 <a:latin typeface="Times New Roman" panose="02020603050405020304" pitchFamily="18" charset="0"/>
                 <a:ea typeface="Times New Roman" panose="02020603050405020304" pitchFamily="18" charset="0"/>
               </a:rPr>
               <a:t>z</a:t>
             </a:r>
             <a:r>
-              <a:rPr lang="en-US" sz="2000" baseline="-25000" dirty="0" err="1">
+              <a:rPr lang="en-US" sz="2400" baseline="-25000" dirty="0" err="1">
                 <a:latin typeface="Times New Roman" panose="02020603050405020304" pitchFamily="18" charset="0"/>
                 <a:ea typeface="Times New Roman" panose="02020603050405020304" pitchFamily="18" charset="0"/>
               </a:rPr>
               <a:t>Bii</a:t>
             </a:r>
             <a:r>
-              <a:rPr lang="en-US" sz="2000" dirty="0">
+              <a:rPr lang="en-US" sz="2400" dirty="0">
                 <a:latin typeface="Times New Roman" panose="02020603050405020304" pitchFamily="18" charset="0"/>
                 <a:ea typeface="Times New Roman" panose="02020603050405020304" pitchFamily="18" charset="0"/>
               </a:rPr>
               <a:t> + </a:t>
             </a:r>
             <a:r>
-              <a:rPr lang="en-US" sz="2000" dirty="0" err="1">
+              <a:rPr lang="en-US" sz="2400" dirty="0" err="1">
                 <a:latin typeface="Times New Roman" panose="02020603050405020304" pitchFamily="18" charset="0"/>
                 <a:ea typeface="Times New Roman" panose="02020603050405020304" pitchFamily="18" charset="0"/>
               </a:rPr>
               <a:t>z</a:t>
             </a:r>
             <a:r>
-              <a:rPr lang="en-US" sz="2000" baseline="-25000" dirty="0" err="1">
+              <a:rPr lang="en-US" sz="2400" baseline="-25000" dirty="0" err="1">
                 <a:latin typeface="Times New Roman" panose="02020603050405020304" pitchFamily="18" charset="0"/>
                 <a:ea typeface="Times New Roman" panose="02020603050405020304" pitchFamily="18" charset="0"/>
               </a:rPr>
               <a:t>Bjj</a:t>
             </a:r>
             <a:r>
-              <a:rPr lang="en-US" sz="2000" baseline="-25000" dirty="0">
+              <a:rPr lang="en-US" sz="2400" baseline="-25000" dirty="0">
                 <a:latin typeface="Times New Roman" panose="02020603050405020304" pitchFamily="18" charset="0"/>
                 <a:ea typeface="Times New Roman" panose="02020603050405020304" pitchFamily="18" charset="0"/>
               </a:rPr>
               <a:t>  </a:t>
             </a:r>
             <a:r>
-              <a:rPr lang="en-US" sz="2000" dirty="0">
+              <a:rPr lang="en-US" sz="2400" dirty="0">
                 <a:latin typeface="Times New Roman" panose="02020603050405020304" pitchFamily="18" charset="0"/>
                 <a:ea typeface="Times New Roman" panose="02020603050405020304" pitchFamily="18" charset="0"/>
               </a:rPr>
               <a:t>-  z</a:t>
             </a:r>
             <a:r>
-              <a:rPr lang="en-US" sz="2000" baseline="-25000" dirty="0">
+              <a:rPr lang="en-US" sz="2400" baseline="-25000" dirty="0">
                 <a:latin typeface="Times New Roman" panose="02020603050405020304" pitchFamily="18" charset="0"/>
                 <a:ea typeface="Times New Roman" panose="02020603050405020304" pitchFamily="18" charset="0"/>
               </a:rPr>
               <a:t>Scj+1,</a:t>
             </a:r>
             <a:r>
-              <a:rPr lang="en-US" sz="2000" i="1" baseline="-25000" dirty="0">
+              <a:rPr lang="en-US" sz="2400" i="1" baseline="-25000" dirty="0">
                 <a:latin typeface="Times New Roman" panose="02020603050405020304" pitchFamily="18" charset="0"/>
                 <a:ea typeface="Times New Roman" panose="02020603050405020304" pitchFamily="18" charset="0"/>
               </a:rPr>
               <a:t>i+1</a:t>
             </a:r>
             <a:r>
-              <a:rPr lang="en-US" sz="2000" dirty="0">
+              <a:rPr lang="en-US" sz="2400" dirty="0">
                 <a:latin typeface="Times New Roman" panose="02020603050405020304" pitchFamily="18" charset="0"/>
                 <a:ea typeface="Times New Roman" panose="02020603050405020304" pitchFamily="18" charset="0"/>
               </a:rPr>
               <a:t> </a:t>
             </a:r>
             <a:r>
-              <a:rPr lang="en-US" sz="2000" dirty="0">
+              <a:rPr lang="en-US" sz="2400" dirty="0">
                 <a:latin typeface="Times New Roman" panose="02020603050405020304" pitchFamily="18" charset="0"/>
                 <a:ea typeface="Times New Roman" panose="02020603050405020304" pitchFamily="18" charset="0"/>
                 <a:cs typeface="Times New Roman" panose="02020603050405020304" pitchFamily="18" charset="0"/>
@@ -4582,56 +4593,56 @@
               <a:t></a:t>
             </a:r>
             <a:r>
-              <a:rPr lang="en-US" sz="2000" dirty="0">
+              <a:rPr lang="en-US" sz="2400" dirty="0">
                 <a:latin typeface="Times New Roman" panose="02020603050405020304" pitchFamily="18" charset="0"/>
                 <a:ea typeface="Times New Roman" panose="02020603050405020304" pitchFamily="18" charset="0"/>
               </a:rPr>
               <a:t> </a:t>
             </a:r>
             <a:r>
-              <a:rPr lang="en-US" sz="2000" dirty="0" err="1">
+              <a:rPr lang="en-US" sz="2400" dirty="0" err="1">
                 <a:latin typeface="Times New Roman" panose="02020603050405020304" pitchFamily="18" charset="0"/>
                 <a:ea typeface="Times New Roman" panose="02020603050405020304" pitchFamily="18" charset="0"/>
               </a:rPr>
               <a:t>z</a:t>
             </a:r>
             <a:r>
-              <a:rPr lang="en-US" sz="2000" baseline="-25000" dirty="0" err="1">
+              <a:rPr lang="en-US" sz="2400" baseline="-25000" dirty="0" err="1">
                 <a:latin typeface="Times New Roman" panose="02020603050405020304" pitchFamily="18" charset="0"/>
                 <a:ea typeface="Times New Roman" panose="02020603050405020304" pitchFamily="18" charset="0"/>
               </a:rPr>
               <a:t>base</a:t>
             </a:r>
             <a:r>
-              <a:rPr lang="en-US" sz="2000" dirty="0">
+              <a:rPr lang="en-US" sz="2400" dirty="0">
                 <a:latin typeface="Times New Roman" panose="02020603050405020304" pitchFamily="18" charset="0"/>
                 <a:ea typeface="Times New Roman" panose="02020603050405020304" pitchFamily="18" charset="0"/>
               </a:rPr>
               <a:t>]</a:t>
             </a:r>
             <a:r>
-              <a:rPr lang="en-US" sz="2000" baseline="-25000" dirty="0">
+              <a:rPr lang="en-US" sz="2400" baseline="-25000" dirty="0">
                 <a:latin typeface="Times New Roman" panose="02020603050405020304" pitchFamily="18" charset="0"/>
                 <a:ea typeface="Times New Roman" panose="02020603050405020304" pitchFamily="18" charset="0"/>
               </a:rPr>
               <a:t>   </a:t>
             </a:r>
             <a:r>
-              <a:rPr lang="en-US" sz="2000" dirty="0">
+              <a:rPr lang="en-US" sz="2400" dirty="0">
                 <a:latin typeface="Times New Roman" panose="02020603050405020304" pitchFamily="18" charset="0"/>
                 <a:ea typeface="Times New Roman" panose="02020603050405020304" pitchFamily="18" charset="0"/>
               </a:rPr>
               <a:t> </a:t>
             </a:r>
             <a:r>
-              <a:rPr lang="en-US" sz="2000" i="1" dirty="0" err="1">
+              <a:rPr lang="en-US" sz="2400" i="1" dirty="0" err="1">
                 <a:latin typeface="Times New Roman" panose="02020603050405020304" pitchFamily="18" charset="0"/>
                 <a:ea typeface="Times New Roman" panose="02020603050405020304" pitchFamily="18" charset="0"/>
               </a:rPr>
               <a:t>i</a:t>
             </a:r>
             <a:r>
-              <a:rPr lang="en-US" sz="2000" i="1" dirty="0">
+              <a:rPr lang="en-US" sz="2400" i="1" dirty="0">
                 <a:latin typeface="Times New Roman" panose="02020603050405020304" pitchFamily="18" charset="0"/>
                 <a:ea typeface="Times New Roman" panose="02020603050405020304" pitchFamily="18" charset="0"/>
                 <a:cs typeface="Times New Roman" panose="02020603050405020304" pitchFamily="18" charset="0"/>
@@ -4640,27 +4651,27 @@
               <a:t></a:t>
             </a:r>
             <a:r>
-              <a:rPr lang="en-US" sz="2000" i="1" dirty="0">
+              <a:rPr lang="en-US" sz="2400" i="1" dirty="0">
                 <a:latin typeface="Times New Roman" panose="02020603050405020304" pitchFamily="18" charset="0"/>
                 <a:ea typeface="Times New Roman" panose="02020603050405020304" pitchFamily="18" charset="0"/>
               </a:rPr>
               <a:t> j</a:t>
             </a:r>
             <a:r>
-              <a:rPr lang="en-US" sz="2000" dirty="0">
+              <a:rPr lang="en-US" sz="2400" dirty="0">
                 <a:latin typeface="Times New Roman" panose="02020603050405020304" pitchFamily="18" charset="0"/>
                 <a:ea typeface="Times New Roman" panose="02020603050405020304" pitchFamily="18" charset="0"/>
               </a:rPr>
               <a:t> </a:t>
             </a:r>
             <a:r>
-              <a:rPr lang="en-US" sz="1400" dirty="0">
+              <a:rPr lang="en-US" dirty="0">
                 <a:latin typeface="Times New Roman" panose="02020603050405020304" pitchFamily="18" charset="0"/>
                 <a:ea typeface="Times New Roman" panose="02020603050405020304" pitchFamily="18" charset="0"/>
               </a:rPr>
               <a:t>	</a:t>
             </a:r>
-            <a:endParaRPr lang="en-US" sz="2000" dirty="0"/>
+            <a:endParaRPr lang="en-US" sz="2400" dirty="0"/>
           </a:p>
         </p:txBody>
       </p:sp>
@@ -4672,8 +4683,8 @@
         </p:nvSpPr>
         <p:spPr>
           <a:xfrm>
-            <a:off x="277528" y="4343400"/>
-            <a:ext cx="5257800" cy="641714"/>
+            <a:off x="203637" y="3770745"/>
+            <a:ext cx="7342472" cy="803297"/>
           </a:xfrm>
           <a:prstGeom prst="rect">
             <a:avLst/>
@@ -4697,27 +4708,27 @@
               </a:spcAft>
             </a:pPr>
             <a:r>
-              <a:rPr lang="en-US" sz="1400" dirty="0">
+              <a:rPr lang="en-US" sz="2000" dirty="0">
                 <a:latin typeface="Times New Roman" panose="02020603050405020304" pitchFamily="18" charset="0"/>
                 <a:ea typeface="Times New Roman" panose="02020603050405020304" pitchFamily="18" charset="0"/>
               </a:rPr>
               <a:t>Diagonal Elements of </a:t>
             </a:r>
             <a:r>
-              <a:rPr lang="en-US" sz="1400" b="1" dirty="0">
+              <a:rPr lang="en-US" sz="2000" b="1" dirty="0">
                 <a:latin typeface="Times New Roman" panose="02020603050405020304" pitchFamily="18" charset="0"/>
                 <a:ea typeface="Times New Roman" panose="02020603050405020304" pitchFamily="18" charset="0"/>
               </a:rPr>
               <a:t>Z</a:t>
             </a:r>
             <a:r>
-              <a:rPr lang="en-US" sz="1400" baseline="-25000" dirty="0">
+              <a:rPr lang="en-US" sz="2000" baseline="-25000" dirty="0">
                 <a:latin typeface="Times New Roman" panose="02020603050405020304" pitchFamily="18" charset="0"/>
                 <a:ea typeface="Times New Roman" panose="02020603050405020304" pitchFamily="18" charset="0"/>
               </a:rPr>
               <a:t>B</a:t>
             </a:r>
-            <a:endParaRPr lang="en-US" sz="1400" dirty="0">
+            <a:endParaRPr lang="en-US" sz="2000" dirty="0">
               <a:latin typeface="Times New Roman" panose="02020603050405020304" pitchFamily="18" charset="0"/>
               <a:ea typeface="Times New Roman" panose="02020603050405020304" pitchFamily="18" charset="0"/>
             </a:endParaRPr>
@@ -4735,91 +4746,91 @@
               </a:spcAft>
             </a:pPr>
             <a:r>
-              <a:rPr lang="en-US" sz="1400" dirty="0">
+              <a:rPr lang="en-US" dirty="0">
                 <a:latin typeface="Times New Roman" panose="02020603050405020304" pitchFamily="18" charset="0"/>
                 <a:ea typeface="Times New Roman" panose="02020603050405020304" pitchFamily="18" charset="0"/>
               </a:rPr>
               <a:t> </a:t>
             </a:r>
             <a:r>
-              <a:rPr lang="en-US" sz="2000" dirty="0">
+              <a:rPr lang="en-US" sz="2400" dirty="0">
                 <a:latin typeface="Times New Roman" panose="02020603050405020304" pitchFamily="18" charset="0"/>
                 <a:ea typeface="Times New Roman" panose="02020603050405020304" pitchFamily="18" charset="0"/>
               </a:rPr>
               <a:t>     </a:t>
             </a:r>
             <a:r>
-              <a:rPr lang="en-US" sz="2000" dirty="0" err="1">
+              <a:rPr lang="en-US" sz="2400" dirty="0" err="1">
                 <a:latin typeface="Times New Roman" panose="02020603050405020304" pitchFamily="18" charset="0"/>
                 <a:ea typeface="Times New Roman" panose="02020603050405020304" pitchFamily="18" charset="0"/>
               </a:rPr>
               <a:t>z</a:t>
             </a:r>
             <a:r>
-              <a:rPr lang="en-US" sz="2000" baseline="-25000" dirty="0" err="1">
+              <a:rPr lang="en-US" sz="2400" baseline="-25000" dirty="0" err="1">
                 <a:latin typeface="Times New Roman" panose="02020603050405020304" pitchFamily="18" charset="0"/>
                 <a:ea typeface="Times New Roman" panose="02020603050405020304" pitchFamily="18" charset="0"/>
               </a:rPr>
               <a:t>Bii</a:t>
             </a:r>
             <a:r>
-              <a:rPr lang="en-US" sz="2000" dirty="0">
+              <a:rPr lang="en-US" sz="2400" dirty="0">
                 <a:latin typeface="Times New Roman" panose="02020603050405020304" pitchFamily="18" charset="0"/>
                 <a:ea typeface="Times New Roman" panose="02020603050405020304" pitchFamily="18" charset="0"/>
               </a:rPr>
               <a:t> = </a:t>
             </a:r>
             <a:r>
-              <a:rPr lang="en-US" sz="2000" dirty="0" err="1">
+              <a:rPr lang="en-US" sz="2400" dirty="0" err="1">
                 <a:latin typeface="Times New Roman" panose="02020603050405020304" pitchFamily="18" charset="0"/>
                 <a:ea typeface="Times New Roman" panose="02020603050405020304" pitchFamily="18" charset="0"/>
               </a:rPr>
               <a:t>z</a:t>
             </a:r>
             <a:r>
-              <a:rPr lang="en-US" sz="2000" baseline="-25000" dirty="0" err="1">
+              <a:rPr lang="en-US" sz="2400" baseline="-25000" dirty="0" err="1">
                 <a:latin typeface="Times New Roman" panose="02020603050405020304" pitchFamily="18" charset="0"/>
                 <a:ea typeface="Times New Roman" panose="02020603050405020304" pitchFamily="18" charset="0"/>
               </a:rPr>
               <a:t>SC</a:t>
             </a:r>
             <a:r>
-              <a:rPr lang="en-US" sz="2000" baseline="-25000" dirty="0">
+              <a:rPr lang="en-US" sz="2400" baseline="-25000" dirty="0">
                 <a:latin typeface="Times New Roman" panose="02020603050405020304" pitchFamily="18" charset="0"/>
                 <a:ea typeface="Times New Roman" panose="02020603050405020304" pitchFamily="18" charset="0"/>
               </a:rPr>
               <a:t> </a:t>
             </a:r>
             <a:r>
-              <a:rPr lang="en-US" sz="2000" i="1" baseline="-25000" dirty="0">
+              <a:rPr lang="en-US" sz="2400" i="1" baseline="-25000" dirty="0">
                 <a:latin typeface="Times New Roman" panose="02020603050405020304" pitchFamily="18" charset="0"/>
                 <a:ea typeface="Times New Roman" panose="02020603050405020304" pitchFamily="18" charset="0"/>
               </a:rPr>
               <a:t>1</a:t>
             </a:r>
             <a:r>
-              <a:rPr lang="en-US" sz="2000" baseline="-25000" dirty="0">
+              <a:rPr lang="en-US" sz="2400" baseline="-25000" dirty="0">
                 <a:latin typeface="Times New Roman" panose="02020603050405020304" pitchFamily="18" charset="0"/>
                 <a:ea typeface="Times New Roman" panose="02020603050405020304" pitchFamily="18" charset="0"/>
               </a:rPr>
               <a:t>, </a:t>
             </a:r>
             <a:r>
-              <a:rPr lang="en-US" sz="2000" i="1" baseline="-25000" dirty="0">
+              <a:rPr lang="en-US" sz="2400" i="1" baseline="-25000" dirty="0">
                 <a:latin typeface="Times New Roman" panose="02020603050405020304" pitchFamily="18" charset="0"/>
                 <a:ea typeface="Times New Roman" panose="02020603050405020304" pitchFamily="18" charset="0"/>
               </a:rPr>
               <a:t>i+1</a:t>
             </a:r>
             <a:r>
-              <a:rPr lang="en-US" sz="2000" dirty="0">
+              <a:rPr lang="en-US" sz="2400" dirty="0">
                 <a:latin typeface="Times New Roman" panose="02020603050405020304" pitchFamily="18" charset="0"/>
                 <a:ea typeface="Times New Roman" panose="02020603050405020304" pitchFamily="18" charset="0"/>
               </a:rPr>
               <a:t>  </a:t>
             </a:r>
             <a:r>
-              <a:rPr lang="en-US" sz="2000" dirty="0">
+              <a:rPr lang="en-US" sz="2400" dirty="0">
                 <a:latin typeface="Times New Roman" panose="02020603050405020304" pitchFamily="18" charset="0"/>
                 <a:ea typeface="Times New Roman" panose="02020603050405020304" pitchFamily="18" charset="0"/>
                 <a:cs typeface="Times New Roman" panose="02020603050405020304" pitchFamily="18" charset="0"/>
@@ -4828,62 +4839,62 @@
               <a:t></a:t>
             </a:r>
             <a:r>
-              <a:rPr lang="en-US" sz="2000" dirty="0">
+              <a:rPr lang="en-US" sz="2400" dirty="0">
                 <a:latin typeface="Times New Roman" panose="02020603050405020304" pitchFamily="18" charset="0"/>
                 <a:ea typeface="Times New Roman" panose="02020603050405020304" pitchFamily="18" charset="0"/>
               </a:rPr>
               <a:t>  </a:t>
             </a:r>
             <a:r>
-              <a:rPr lang="en-US" sz="2000" dirty="0" err="1">
+              <a:rPr lang="en-US" sz="2400" dirty="0" err="1">
                 <a:latin typeface="Times New Roman" panose="02020603050405020304" pitchFamily="18" charset="0"/>
                 <a:ea typeface="Times New Roman" panose="02020603050405020304" pitchFamily="18" charset="0"/>
               </a:rPr>
               <a:t>z</a:t>
             </a:r>
             <a:r>
-              <a:rPr lang="en-US" sz="2000" baseline="-25000" dirty="0" err="1">
+              <a:rPr lang="en-US" sz="2400" baseline="-25000" dirty="0" err="1">
                 <a:latin typeface="Times New Roman" panose="02020603050405020304" pitchFamily="18" charset="0"/>
                 <a:ea typeface="Times New Roman" panose="02020603050405020304" pitchFamily="18" charset="0"/>
               </a:rPr>
               <a:t>base</a:t>
             </a:r>
             <a:r>
-              <a:rPr lang="en-US" sz="2000" baseline="-25000" dirty="0">
+              <a:rPr lang="en-US" sz="2400" baseline="-25000" dirty="0">
                 <a:latin typeface="Times New Roman" panose="02020603050405020304" pitchFamily="18" charset="0"/>
                 <a:ea typeface="Times New Roman" panose="02020603050405020304" pitchFamily="18" charset="0"/>
               </a:rPr>
               <a:t>       </a:t>
             </a:r>
             <a:r>
-              <a:rPr lang="en-US" sz="2000" dirty="0">
+              <a:rPr lang="en-US" sz="2400" dirty="0">
                 <a:latin typeface="Times New Roman" panose="02020603050405020304" pitchFamily="18" charset="0"/>
                 <a:ea typeface="Times New Roman" panose="02020603050405020304" pitchFamily="18" charset="0"/>
               </a:rPr>
               <a:t>for </a:t>
             </a:r>
             <a:r>
-              <a:rPr lang="en-US" sz="2000" i="1" dirty="0" err="1">
+              <a:rPr lang="en-US" sz="2400" i="1" dirty="0" err="1">
                 <a:latin typeface="Times New Roman" panose="02020603050405020304" pitchFamily="18" charset="0"/>
                 <a:ea typeface="Times New Roman" panose="02020603050405020304" pitchFamily="18" charset="0"/>
               </a:rPr>
               <a:t>i</a:t>
             </a:r>
             <a:r>
-              <a:rPr lang="en-US" sz="2000" dirty="0">
+              <a:rPr lang="en-US" sz="2400" dirty="0">
                 <a:latin typeface="Times New Roman" panose="02020603050405020304" pitchFamily="18" charset="0"/>
                 <a:ea typeface="Times New Roman" panose="02020603050405020304" pitchFamily="18" charset="0"/>
               </a:rPr>
               <a:t> = 1 to </a:t>
             </a:r>
             <a:r>
-              <a:rPr lang="en-US" sz="2000" i="1" dirty="0">
+              <a:rPr lang="en-US" sz="2400" i="1" dirty="0">
                 <a:latin typeface="Times New Roman" panose="02020603050405020304" pitchFamily="18" charset="0"/>
                 <a:ea typeface="Times New Roman" panose="02020603050405020304" pitchFamily="18" charset="0"/>
               </a:rPr>
               <a:t>n-1</a:t>
             </a:r>
-            <a:endParaRPr lang="en-US" sz="2000" dirty="0"/>
+            <a:endParaRPr lang="en-US" sz="2400" dirty="0"/>
           </a:p>
         </p:txBody>
       </p:sp>
@@ -5138,7 +5149,7 @@
           <a:graphicData uri="http://schemas.openxmlformats.org/presentationml/2006/ole">
             <mc:AlternateContent xmlns:mc="http://schemas.openxmlformats.org/markup-compatibility/2006">
               <mc:Choice xmlns:v="urn:schemas-microsoft-com:vml" Requires="v">
-                <p:oleObj spid="_x0000_s1030" name="Equation" r:id="rId3" imgW="1358900" imgH="457200" progId="Equation.3">
+                <p:oleObj spid="_x0000_s1032" name="Equation" r:id="rId3" imgW="1358900" imgH="457200" progId="Equation.3">
                   <p:embed/>
                 </p:oleObj>
               </mc:Choice>
@@ -5304,7 +5315,7 @@
         <p:spPr>
           <a:xfrm>
             <a:off x="486508" y="1130310"/>
-            <a:ext cx="7391400" cy="338554"/>
+            <a:ext cx="7391400" cy="369332"/>
           </a:xfrm>
           <a:prstGeom prst="rect">
             <a:avLst/>
@@ -5318,7 +5329,7 @@
           <a:lstStyle/>
           <a:p>
             <a:r>
-              <a:rPr lang="en-US" dirty="0"/>
+              <a:rPr lang="en-US" sz="1800" dirty="0"/>
               <a:t>3-Leg Core Offers Low Impedance Path to Zero Sequence</a:t>
             </a:r>
           </a:p>
@@ -5550,7 +5561,7 @@
           <a:p>
             <a:r>
               <a:rPr lang="en-US" dirty="0"/>
-              <a:t>Need leakage or Short Circuit Z between every pair of windings</a:t>
+              <a:t>Need leakage, or short circuit, Z between every pair of windings</a:t>
             </a:r>
           </a:p>
         </p:txBody>
@@ -5683,6 +5694,13 @@
             <a:r>
               <a:rPr lang="en-US" dirty="0"/>
               <a:t>Scott T</a:t>
+            </a:r>
+          </a:p>
+          <a:p>
+            <a:pPr lvl="2"/>
+            <a:r>
+              <a:rPr lang="en-US" dirty="0"/>
+              <a:t>Phase shifter</a:t>
             </a:r>
           </a:p>
         </p:txBody>
@@ -6385,15 +6403,7 @@
           <a:p>
             <a:r>
               <a:rPr lang="en-US" dirty="0"/>
-              <a:t>But we want to be able to model things that occur in </a:t>
-            </a:r>
-            <a:r>
-              <a:rPr lang="en-US"/>
-              <a:t>distribution systems </a:t>
-            </a:r>
-            <a:r>
-              <a:rPr lang="en-US" dirty="0"/>
-              <a:t>that require explicit modeling</a:t>
+              <a:t>But we want to be able to model things that occur in distribution systems that require explicit modeling</a:t>
             </a:r>
           </a:p>
           <a:p>
@@ -6450,6 +6460,13 @@
             <a:r>
               <a:rPr lang="en-US" dirty="0"/>
               <a:t>Open-Wye/Open-Delta</a:t>
+            </a:r>
+          </a:p>
+          <a:p>
+            <a:pPr lvl="2"/>
+            <a:r>
+              <a:rPr lang="en-US" dirty="0"/>
+              <a:t>Phase shifters</a:t>
             </a:r>
           </a:p>
           <a:p>
@@ -6835,7 +6852,7 @@
           <a:p>
             <a:r>
               <a:rPr lang="en-US" dirty="0"/>
-              <a:t>EPRI recommends designing distribution system analysis tools to work in actual volt, amps, and ohms</a:t>
+              <a:t>EPRI recommends designing distribution system analysis tools to work in actual volts, amps, and ohms</a:t>
             </a:r>
           </a:p>
           <a:p>
@@ -6953,13 +6970,16 @@
             </a:r>
           </a:p>
           <a:p>
+            <a:endParaRPr lang="en-US" dirty="0"/>
+          </a:p>
+          <a:p>
             <a:r>
               <a:rPr lang="en-US" dirty="0" err="1"/>
               <a:t>OpenDSS</a:t>
             </a:r>
             <a:r>
               <a:rPr lang="en-US" dirty="0"/>
-              <a:t> performs simulations of circuits having voltage levels from EHV to LV in actual quantities without difficulty</a:t>
+              <a:t> performs simulations of circuits having voltage levels from EHV to LV in actual quantities</a:t>
             </a:r>
           </a:p>
           <a:p>
@@ -8260,15 +8280,6 @@
 </file>
 
 <file path=customXml/item1.xml><?xml version="1.0" encoding="utf-8"?>
-<?mso-contentType ?>
-<FormTemplates xmlns="http://schemas.microsoft.com/sharepoint/v3/contenttype/forms">
-  <Display>DocumentLibraryForm</Display>
-  <Edit>DocumentLibraryForm</Edit>
-  <New>DocumentLibraryForm</New>
-</FormTemplates>
-</file>
-
-<file path=customXml/item2.xml><?xml version="1.0" encoding="utf-8"?>
 <ct:contentTypeSchema xmlns:ct="http://schemas.microsoft.com/office/2006/metadata/contentType" xmlns:ma="http://schemas.microsoft.com/office/2006/metadata/properties/metaAttributes" ct:_="" ma:_="" ma:contentTypeName="Document" ma:contentTypeID="0x010100D67101F030D76349B9BDDCB7E839049A" ma:contentTypeVersion="1" ma:contentTypeDescription="Create a new document." ma:contentTypeScope="" ma:versionID="734fc11b70f2696fea1b768389187637">
   <xsd:schema xmlns:xsd="http://www.w3.org/2001/XMLSchema" xmlns:xs="http://www.w3.org/2001/XMLSchema" xmlns:p="http://schemas.microsoft.com/office/2006/metadata/properties" xmlns:ns2="9d4eb815-23ed-48d9-b0c1-2b9ce0016f4e" targetNamespace="http://schemas.microsoft.com/office/2006/metadata/properties" ma:root="true" ma:fieldsID="2b4a09c436e99444c649b2400fdb07dc" ns2:_="">
     <xsd:import namespace="9d4eb815-23ed-48d9-b0c1-2b9ce0016f4e"/>
@@ -8400,6 +8411,15 @@
 </ct:contentTypeSchema>
 </file>
 
+<file path=customXml/item2.xml><?xml version="1.0" encoding="utf-8"?>
+<?mso-contentType ?>
+<FormTemplates xmlns="http://schemas.microsoft.com/sharepoint/v3/contenttype/forms">
+  <Display>DocumentLibraryForm</Display>
+  <Edit>DocumentLibraryForm</Edit>
+  <New>DocumentLibraryForm</New>
+</FormTemplates>
+</file>
+
 <file path=customXml/item3.xml><?xml version="1.0" encoding="utf-8"?>
 <p:properties xmlns:p="http://schemas.microsoft.com/office/2006/metadata/properties" xmlns:xsi="http://www.w3.org/2001/XMLSchema-instance" xmlns:pc="http://schemas.microsoft.com/office/infopath/2007/PartnerControls">
   <documentManagement>
@@ -8409,14 +8429,6 @@
 </file>
 
 <file path=customXml/itemProps1.xml><?xml version="1.0" encoding="utf-8"?>
-<ds:datastoreItem xmlns:ds="http://schemas.openxmlformats.org/officeDocument/2006/customXml" ds:itemID="{F99B5431-8C26-478B-808F-26BED01B748B}">
-  <ds:schemaRefs>
-    <ds:schemaRef ds:uri="http://schemas.microsoft.com/sharepoint/v3/contenttype/forms"/>
-  </ds:schemaRefs>
-</ds:datastoreItem>
-</file>
-
-<file path=customXml/itemProps2.xml><?xml version="1.0" encoding="utf-8"?>
 <ds:datastoreItem xmlns:ds="http://schemas.openxmlformats.org/officeDocument/2006/customXml" ds:itemID="{04AC8A55-24A3-47CA-BC47-DFAAE86ABF30}">
   <ds:schemaRefs>
     <ds:schemaRef ds:uri="http://schemas.microsoft.com/office/2006/metadata/contentType"/>
@@ -8430,6 +8442,14 @@
     <ds:schemaRef ds:uri="http://purl.org/dc/elements/1.1/"/>
     <ds:schemaRef ds:uri="http://purl.org/dc/terms/"/>
     <ds:schemaRef ds:uri="http://schemas.microsoft.com/internal/obd"/>
+  </ds:schemaRefs>
+</ds:datastoreItem>
+</file>
+
+<file path=customXml/itemProps2.xml><?xml version="1.0" encoding="utf-8"?>
+<ds:datastoreItem xmlns:ds="http://schemas.openxmlformats.org/officeDocument/2006/customXml" ds:itemID="{F99B5431-8C26-478B-808F-26BED01B748B}">
+  <ds:schemaRefs>
+    <ds:schemaRef ds:uri="http://schemas.microsoft.com/sharepoint/v3/contenttype/forms"/>
   </ds:schemaRefs>
 </ds:datastoreItem>
 </file>
